--- a/Copy of API.pptx
+++ b/Copy of API.pptx
@@ -755,7 +755,7 @@
           </a:bodyPr>
           <a:lstStyle/>
           <a:p>
-            <a:pPr indent="0" lvl="0" marL="0">
+            <a:pPr indent="0" lvl="0" marL="0" rtl="0" algn="l">
               <a:spcBef>
                 <a:spcPts val="0"/>
               </a:spcBef>
@@ -854,7 +854,7 @@
           </a:bodyPr>
           <a:lstStyle/>
           <a:p>
-            <a:pPr indent="0" lvl="0" marL="0">
+            <a:pPr indent="0" lvl="0" marL="0" rtl="0" algn="l">
               <a:spcBef>
                 <a:spcPts val="0"/>
               </a:spcBef>
@@ -953,7 +953,7 @@
           </a:bodyPr>
           <a:lstStyle/>
           <a:p>
-            <a:pPr indent="0" lvl="0" marL="0">
+            <a:pPr indent="0" lvl="0" marL="0" rtl="0" algn="l">
               <a:spcBef>
                 <a:spcPts val="0"/>
               </a:spcBef>
@@ -1052,7 +1052,7 @@
           </a:bodyPr>
           <a:lstStyle/>
           <a:p>
-            <a:pPr indent="0" lvl="0" marL="0">
+            <a:pPr indent="0" lvl="0" marL="0" rtl="0" algn="l">
               <a:spcBef>
                 <a:spcPts val="0"/>
               </a:spcBef>
@@ -1151,7 +1151,7 @@
           </a:bodyPr>
           <a:lstStyle/>
           <a:p>
-            <a:pPr indent="0" lvl="0" marL="0">
+            <a:pPr indent="0" lvl="0" marL="0" rtl="0" algn="l">
               <a:spcBef>
                 <a:spcPts val="0"/>
               </a:spcBef>
@@ -1250,7 +1250,7 @@
           </a:bodyPr>
           <a:lstStyle/>
           <a:p>
-            <a:pPr indent="0" lvl="0" marL="0">
+            <a:pPr indent="0" lvl="0" marL="0" rtl="0" algn="l">
               <a:spcBef>
                 <a:spcPts val="0"/>
               </a:spcBef>
@@ -1349,7 +1349,7 @@
           </a:bodyPr>
           <a:lstStyle/>
           <a:p>
-            <a:pPr indent="0" lvl="0" marL="0">
+            <a:pPr indent="0" lvl="0" marL="0" rtl="0" algn="l">
               <a:spcBef>
                 <a:spcPts val="0"/>
               </a:spcBef>
@@ -1448,7 +1448,7 @@
           </a:bodyPr>
           <a:lstStyle/>
           <a:p>
-            <a:pPr indent="0" lvl="0" marL="0">
+            <a:pPr indent="0" lvl="0" marL="0" rtl="0" algn="l">
               <a:spcBef>
                 <a:spcPts val="0"/>
               </a:spcBef>
@@ -1547,7 +1547,7 @@
           </a:bodyPr>
           <a:lstStyle/>
           <a:p>
-            <a:pPr indent="0" lvl="0" marL="0">
+            <a:pPr indent="0" lvl="0" marL="0" rtl="0" algn="l">
               <a:spcBef>
                 <a:spcPts val="0"/>
               </a:spcBef>
@@ -1646,7 +1646,7 @@
           </a:bodyPr>
           <a:lstStyle/>
           <a:p>
-            <a:pPr indent="0" lvl="0" marL="0">
+            <a:pPr indent="0" lvl="0" marL="0" rtl="0" algn="l">
               <a:spcBef>
                 <a:spcPts val="0"/>
               </a:spcBef>
@@ -1745,7 +1745,7 @@
           </a:bodyPr>
           <a:lstStyle/>
           <a:p>
-            <a:pPr indent="0" lvl="0" marL="0">
+            <a:pPr indent="0" lvl="0" marL="0" rtl="0" algn="l">
               <a:spcBef>
                 <a:spcPts val="0"/>
               </a:spcBef>
@@ -1844,7 +1844,7 @@
           </a:bodyPr>
           <a:lstStyle/>
           <a:p>
-            <a:pPr indent="0" lvl="0" marL="0">
+            <a:pPr indent="0" lvl="0" marL="0" rtl="0" algn="l">
               <a:spcBef>
                 <a:spcPts val="0"/>
               </a:spcBef>
@@ -1943,7 +1943,7 @@
           </a:bodyPr>
           <a:lstStyle/>
           <a:p>
-            <a:pPr indent="0" lvl="0" marL="0">
+            <a:pPr indent="0" lvl="0" marL="0" rtl="0" algn="l">
               <a:spcBef>
                 <a:spcPts val="0"/>
               </a:spcBef>
@@ -2317,7 +2317,7 @@
             </a:lvl9pPr>
           </a:lstStyle>
           <a:p>
-            <a:pPr indent="0" lvl="0" marL="0">
+            <a:pPr indent="0" lvl="0" marL="0" rtl="0" algn="r">
               <a:spcBef>
                 <a:spcPts val="0"/>
               </a:spcBef>
@@ -2669,7 +2669,7 @@
             </a:lvl9pPr>
           </a:lstStyle>
           <a:p>
-            <a:pPr indent="0" lvl="0" marL="0">
+            <a:pPr indent="0" lvl="0" marL="0" rtl="0" algn="r">
               <a:spcBef>
                 <a:spcPts val="0"/>
               </a:spcBef>
@@ -2771,7 +2771,7 @@
             </a:lvl9pPr>
           </a:lstStyle>
           <a:p>
-            <a:pPr indent="0" lvl="0" marL="0">
+            <a:pPr indent="0" lvl="0" marL="0" rtl="0" algn="r">
               <a:spcBef>
                 <a:spcPts val="0"/>
               </a:spcBef>
@@ -2996,7 +2996,7 @@
             </a:lvl9pPr>
           </a:lstStyle>
           <a:p>
-            <a:pPr indent="0" lvl="0" marL="0">
+            <a:pPr indent="0" lvl="0" marL="0" rtl="0" algn="r">
               <a:spcBef>
                 <a:spcPts val="0"/>
               </a:spcBef>
@@ -3344,7 +3344,7 @@
             </a:lvl9pPr>
           </a:lstStyle>
           <a:p>
-            <a:pPr indent="0" lvl="0" marL="0">
+            <a:pPr indent="0" lvl="0" marL="0" rtl="0" algn="r">
               <a:spcBef>
                 <a:spcPts val="0"/>
               </a:spcBef>
@@ -3815,7 +3815,7 @@
             </a:lvl9pPr>
           </a:lstStyle>
           <a:p>
-            <a:pPr indent="0" lvl="0" marL="0">
+            <a:pPr indent="0" lvl="0" marL="0" rtl="0" algn="r">
               <a:spcBef>
                 <a:spcPts val="0"/>
               </a:spcBef>
@@ -4040,7 +4040,7 @@
             </a:lvl9pPr>
           </a:lstStyle>
           <a:p>
-            <a:pPr indent="0" lvl="0" marL="0">
+            <a:pPr indent="0" lvl="0" marL="0" rtl="0" algn="r">
               <a:spcBef>
                 <a:spcPts val="0"/>
               </a:spcBef>
@@ -4388,7 +4388,7 @@
             </a:lvl9pPr>
           </a:lstStyle>
           <a:p>
-            <a:pPr indent="0" lvl="0" marL="0">
+            <a:pPr indent="0" lvl="0" marL="0" rtl="0" algn="r">
               <a:spcBef>
                 <a:spcPts val="0"/>
               </a:spcBef>
@@ -4613,7 +4613,7 @@
             </a:lvl9pPr>
           </a:lstStyle>
           <a:p>
-            <a:pPr indent="0" lvl="0" marL="0">
+            <a:pPr indent="0" lvl="0" marL="0" rtl="0" algn="r">
               <a:spcBef>
                 <a:spcPts val="0"/>
               </a:spcBef>
@@ -4682,7 +4682,7 @@
           </a:bodyPr>
           <a:lstStyle/>
           <a:p>
-            <a:pPr indent="0" lvl="0" marL="0">
+            <a:pPr indent="0" lvl="0" marL="0" rtl="0" algn="l">
               <a:spcBef>
                 <a:spcPts val="0"/>
               </a:spcBef>
@@ -5154,7 +5154,7 @@
             </a:lvl9pPr>
           </a:lstStyle>
           <a:p>
-            <a:pPr indent="0" lvl="0" marL="0">
+            <a:pPr indent="0" lvl="0" marL="0" rtl="0" algn="r">
               <a:spcBef>
                 <a:spcPts val="0"/>
               </a:spcBef>
@@ -5294,7 +5294,7 @@
             </a:lvl9pPr>
           </a:lstStyle>
           <a:p>
-            <a:pPr indent="0" lvl="0" marL="0">
+            <a:pPr indent="0" lvl="0" marL="0" rtl="0" algn="r">
               <a:spcBef>
                 <a:spcPts val="0"/>
               </a:spcBef>
@@ -5850,7 +5850,7 @@
             </a:lvl9pPr>
           </a:lstStyle>
           <a:p>
-            <a:pPr indent="0" lvl="0" marL="0">
+            <a:pPr indent="0" lvl="0" marL="0" rtl="0" algn="r">
               <a:spcBef>
                 <a:spcPts val="0"/>
               </a:spcBef>
@@ -6603,7 +6603,7 @@
         </p:nvSpPr>
         <p:spPr>
           <a:xfrm>
-            <a:off x="311708" y="744575"/>
+            <a:off x="311708" y="896975"/>
             <a:ext cx="8520600" cy="2052600"/>
           </a:xfrm>
           <a:prstGeom prst="rect">
@@ -6616,7 +6616,7 @@
           </a:bodyPr>
           <a:lstStyle/>
           <a:p>
-            <a:pPr indent="0" lvl="0" marL="0">
+            <a:pPr indent="0" lvl="0" marL="0" rtl="0" algn="ctr">
               <a:spcBef>
                 <a:spcPts val="0"/>
               </a:spcBef>
@@ -6656,7 +6656,7 @@
           </a:bodyPr>
           <a:lstStyle/>
           <a:p>
-            <a:pPr indent="0" lvl="0" marL="0">
+            <a:pPr indent="0" lvl="0" marL="0" rtl="0" algn="ctr">
               <a:spcBef>
                 <a:spcPts val="0"/>
               </a:spcBef>
@@ -6720,7 +6720,7 @@
           </a:bodyPr>
           <a:lstStyle/>
           <a:p>
-            <a:pPr indent="0" lvl="0" marL="0">
+            <a:pPr indent="0" lvl="0" marL="0" rtl="0" algn="l">
               <a:spcBef>
                 <a:spcPts val="0"/>
               </a:spcBef>
@@ -6760,7 +6760,7 @@
           </a:bodyPr>
           <a:lstStyle/>
           <a:p>
-            <a:pPr indent="-342900" lvl="0" marL="457200" rtl="0">
+            <a:pPr indent="-342900" lvl="0" marL="457200" rtl="0" algn="l">
               <a:spcBef>
                 <a:spcPts val="0"/>
               </a:spcBef>
@@ -6777,7 +6777,7 @@
             <a:endParaRPr/>
           </a:p>
           <a:p>
-            <a:pPr indent="-342900" lvl="0" marL="457200">
+            <a:pPr indent="-342900" lvl="0" marL="457200" rtl="0" algn="l">
               <a:spcBef>
                 <a:spcPts val="0"/>
               </a:spcBef>
@@ -6843,7 +6843,7 @@
           </a:bodyPr>
           <a:lstStyle/>
           <a:p>
-            <a:pPr indent="0" lvl="0" marL="0">
+            <a:pPr indent="0" lvl="0" marL="0" rtl="0" algn="l">
               <a:spcBef>
                 <a:spcPts val="0"/>
               </a:spcBef>
@@ -6908,7 +6908,7 @@
           </a:bodyPr>
           <a:lstStyle/>
           <a:p>
-            <a:pPr indent="0" lvl="0" marL="0">
+            <a:pPr indent="0" lvl="0" marL="0" rtl="0" algn="l">
               <a:spcBef>
                 <a:spcPts val="0"/>
               </a:spcBef>
@@ -6948,7 +6948,7 @@
           </a:bodyPr>
           <a:lstStyle/>
           <a:p>
-            <a:pPr indent="-342900" lvl="0" marL="457200">
+            <a:pPr indent="-342900" lvl="0" marL="457200" rtl="0" algn="l">
               <a:spcBef>
                 <a:spcPts val="0"/>
               </a:spcBef>
@@ -6965,7 +6965,7 @@
             <a:endParaRPr/>
           </a:p>
           <a:p>
-            <a:pPr indent="-342900" lvl="0" marL="457200">
+            <a:pPr indent="-342900" lvl="0" marL="457200" rtl="0" algn="l">
               <a:spcBef>
                 <a:spcPts val="0"/>
               </a:spcBef>
@@ -6982,7 +6982,7 @@
             <a:endParaRPr/>
           </a:p>
           <a:p>
-            <a:pPr indent="-342900" lvl="0" marL="457200">
+            <a:pPr indent="-342900" lvl="0" marL="457200" rtl="0" algn="l">
               <a:spcBef>
                 <a:spcPts val="0"/>
               </a:spcBef>
@@ -6999,7 +6999,7 @@
             <a:endParaRPr/>
           </a:p>
           <a:p>
-            <a:pPr indent="-342900" lvl="0" marL="457200">
+            <a:pPr indent="-342900" lvl="0" marL="457200" rtl="0" algn="l">
               <a:spcBef>
                 <a:spcPts val="0"/>
               </a:spcBef>
@@ -7029,7 +7029,7 @@
             <a:endParaRPr/>
           </a:p>
           <a:p>
-            <a:pPr indent="-342900" lvl="0" marL="457200">
+            <a:pPr indent="-342900" lvl="0" marL="457200" rtl="0" algn="l">
               <a:spcBef>
                 <a:spcPts val="0"/>
               </a:spcBef>
@@ -7046,7 +7046,7 @@
             <a:endParaRPr/>
           </a:p>
           <a:p>
-            <a:pPr indent="-342900" lvl="0" marL="457200">
+            <a:pPr indent="-342900" lvl="0" marL="457200" rtl="0" algn="l">
               <a:spcBef>
                 <a:spcPts val="0"/>
               </a:spcBef>
@@ -7063,7 +7063,7 @@
             <a:endParaRPr/>
           </a:p>
           <a:p>
-            <a:pPr indent="-342900" lvl="0" marL="457200">
+            <a:pPr indent="-342900" lvl="0" marL="457200" rtl="0" algn="l">
               <a:spcBef>
                 <a:spcPts val="0"/>
               </a:spcBef>
@@ -7080,7 +7080,7 @@
             <a:endParaRPr/>
           </a:p>
           <a:p>
-            <a:pPr indent="-342900" lvl="0" marL="457200">
+            <a:pPr indent="-342900" lvl="0" marL="457200" rtl="0" algn="l">
               <a:spcBef>
                 <a:spcPts val="0"/>
               </a:spcBef>
@@ -7146,7 +7146,7 @@
           </a:bodyPr>
           <a:lstStyle/>
           <a:p>
-            <a:pPr indent="0" lvl="0" marL="0">
+            <a:pPr indent="0" lvl="0" marL="0" rtl="0" algn="ctr">
               <a:spcBef>
                 <a:spcPts val="0"/>
               </a:spcBef>
@@ -7211,7 +7211,7 @@
           </a:bodyPr>
           <a:lstStyle/>
           <a:p>
-            <a:pPr indent="0" lvl="0" marL="0">
+            <a:pPr indent="0" lvl="0" marL="0" rtl="0" algn="l">
               <a:spcBef>
                 <a:spcPts val="0"/>
               </a:spcBef>
@@ -7251,7 +7251,7 @@
           </a:bodyPr>
           <a:lstStyle/>
           <a:p>
-            <a:pPr indent="0" lvl="0" marL="0">
+            <a:pPr indent="0" lvl="0" marL="0" rtl="0" algn="l">
               <a:spcBef>
                 <a:spcPts val="0"/>
               </a:spcBef>
@@ -7267,7 +7267,7 @@
             <a:endParaRPr/>
           </a:p>
           <a:p>
-            <a:pPr indent="-317500" lvl="0" marL="457200" rtl="0">
+            <a:pPr indent="-317500" lvl="0" marL="457200" rtl="0" algn="l">
               <a:spcBef>
                 <a:spcPts val="1600"/>
               </a:spcBef>
@@ -7284,7 +7284,7 @@
             <a:endParaRPr/>
           </a:p>
           <a:p>
-            <a:pPr indent="-317500" lvl="0" marL="457200" rtl="0">
+            <a:pPr indent="-317500" lvl="0" marL="457200" rtl="0" algn="l">
               <a:spcBef>
                 <a:spcPts val="0"/>
               </a:spcBef>
@@ -7301,7 +7301,7 @@
             <a:endParaRPr/>
           </a:p>
           <a:p>
-            <a:pPr indent="-317500" lvl="0" marL="457200">
+            <a:pPr indent="-317500" lvl="0" marL="457200" rtl="0" algn="l">
               <a:spcBef>
                 <a:spcPts val="0"/>
               </a:spcBef>
@@ -7395,7 +7395,7 @@
           </a:bodyPr>
           <a:lstStyle/>
           <a:p>
-            <a:pPr indent="0" lvl="0" marL="0">
+            <a:pPr indent="0" lvl="0" marL="0" rtl="0" algn="l">
               <a:spcBef>
                 <a:spcPts val="0"/>
               </a:spcBef>
@@ -7435,7 +7435,7 @@
           </a:bodyPr>
           <a:lstStyle/>
           <a:p>
-            <a:pPr indent="-317500" lvl="0" marL="457200" rtl="0">
+            <a:pPr indent="-317500" lvl="0" marL="457200" rtl="0" algn="l">
               <a:spcBef>
                 <a:spcPts val="0"/>
               </a:spcBef>
@@ -7452,7 +7452,7 @@
             <a:endParaRPr/>
           </a:p>
           <a:p>
-            <a:pPr indent="-317500" lvl="0" marL="457200" rtl="0">
+            <a:pPr indent="-317500" lvl="0" marL="457200" rtl="0" algn="l">
               <a:spcBef>
                 <a:spcPts val="0"/>
               </a:spcBef>
@@ -7469,7 +7469,7 @@
             <a:endParaRPr/>
           </a:p>
           <a:p>
-            <a:pPr indent="-317500" lvl="0" marL="457200">
+            <a:pPr indent="-317500" lvl="0" marL="457200" rtl="0" algn="l">
               <a:spcBef>
                 <a:spcPts val="0"/>
               </a:spcBef>
@@ -7647,7 +7647,7 @@
           </a:bodyPr>
           <a:lstStyle/>
           <a:p>
-            <a:pPr indent="0" lvl="0" marL="0">
+            <a:pPr indent="0" lvl="0" marL="0" rtl="0" algn="l">
               <a:spcBef>
                 <a:spcPts val="0"/>
               </a:spcBef>
@@ -7712,7 +7712,7 @@
           </a:bodyPr>
           <a:lstStyle/>
           <a:p>
-            <a:pPr indent="0" lvl="0" marL="0">
+            <a:pPr indent="0" lvl="0" marL="0" rtl="0" algn="l">
               <a:spcBef>
                 <a:spcPts val="0"/>
               </a:spcBef>
@@ -7752,7 +7752,7 @@
           </a:bodyPr>
           <a:lstStyle/>
           <a:p>
-            <a:pPr indent="-342900" lvl="0" marL="457200" rtl="0">
+            <a:pPr indent="-342900" lvl="0" marL="457200" rtl="0" algn="l">
               <a:spcBef>
                 <a:spcPts val="0"/>
               </a:spcBef>
@@ -7769,7 +7769,7 @@
             <a:endParaRPr/>
           </a:p>
           <a:p>
-            <a:pPr indent="-342900" lvl="0" marL="457200" rtl="0">
+            <a:pPr indent="-342900" lvl="0" marL="457200" rtl="0" algn="l">
               <a:spcBef>
                 <a:spcPts val="0"/>
               </a:spcBef>
@@ -7835,7 +7835,7 @@
           </a:bodyPr>
           <a:lstStyle/>
           <a:p>
-            <a:pPr indent="0" lvl="0" marL="0">
+            <a:pPr indent="0" lvl="0" marL="0" rtl="0" algn="l">
               <a:spcBef>
                 <a:spcPts val="0"/>
               </a:spcBef>
@@ -7875,7 +7875,7 @@
           </a:bodyPr>
           <a:lstStyle/>
           <a:p>
-            <a:pPr indent="-342900" lvl="0" marL="457200" rtl="0">
+            <a:pPr indent="-342900" lvl="0" marL="457200" rtl="0" algn="l">
               <a:spcBef>
                 <a:spcPts val="0"/>
               </a:spcBef>
@@ -7892,7 +7892,7 @@
             <a:endParaRPr/>
           </a:p>
           <a:p>
-            <a:pPr indent="-317500" lvl="1" marL="914400" rtl="0">
+            <a:pPr indent="-317500" lvl="1" marL="914400" rtl="0" algn="l">
               <a:spcBef>
                 <a:spcPts val="0"/>
               </a:spcBef>
@@ -7914,7 +7914,7 @@
             <a:endParaRPr/>
           </a:p>
           <a:p>
-            <a:pPr indent="-317500" lvl="1" marL="914400" rtl="0">
+            <a:pPr indent="-317500" lvl="1" marL="914400" rtl="0" algn="l">
               <a:spcBef>
                 <a:spcPts val="0"/>
               </a:spcBef>
@@ -7936,7 +7936,7 @@
             <a:endParaRPr/>
           </a:p>
           <a:p>
-            <a:pPr indent="-317500" lvl="1" marL="914400" rtl="0">
+            <a:pPr indent="-317500" lvl="1" marL="914400" rtl="0" algn="l">
               <a:spcBef>
                 <a:spcPts val="0"/>
               </a:spcBef>
@@ -7958,7 +7958,7 @@
             <a:endParaRPr/>
           </a:p>
           <a:p>
-            <a:pPr indent="-342900" lvl="0" marL="457200" rtl="0">
+            <a:pPr indent="-342900" lvl="0" marL="457200" rtl="0" algn="l">
               <a:spcBef>
                 <a:spcPts val="0"/>
               </a:spcBef>
@@ -7975,7 +7975,7 @@
             <a:endParaRPr/>
           </a:p>
           <a:p>
-            <a:pPr indent="-317500" lvl="1" marL="914400" rtl="0">
+            <a:pPr indent="-317500" lvl="1" marL="914400" rtl="0" algn="l">
               <a:spcBef>
                 <a:spcPts val="0"/>
               </a:spcBef>
@@ -7997,7 +7997,7 @@
             <a:endParaRPr/>
           </a:p>
           <a:p>
-            <a:pPr indent="-317500" lvl="1" marL="914400" rtl="0">
+            <a:pPr indent="-317500" lvl="1" marL="914400" rtl="0" algn="l">
               <a:spcBef>
                 <a:spcPts val="0"/>
               </a:spcBef>
@@ -8019,7 +8019,7 @@
             <a:endParaRPr/>
           </a:p>
           <a:p>
-            <a:pPr indent="-317500" lvl="1" marL="914400" rtl="0">
+            <a:pPr indent="-317500" lvl="1" marL="914400" rtl="0" algn="l">
               <a:spcBef>
                 <a:spcPts val="0"/>
               </a:spcBef>
@@ -8041,7 +8041,7 @@
             <a:endParaRPr/>
           </a:p>
           <a:p>
-            <a:pPr indent="-342900" lvl="0" marL="457200" rtl="0">
+            <a:pPr indent="-342900" lvl="0" marL="457200" rtl="0" algn="l">
               <a:spcBef>
                 <a:spcPts val="0"/>
               </a:spcBef>
@@ -8058,7 +8058,7 @@
             <a:endParaRPr/>
           </a:p>
           <a:p>
-            <a:pPr indent="-317500" lvl="1" marL="914400" rtl="0">
+            <a:pPr indent="-317500" lvl="1" marL="914400" rtl="0" algn="l">
               <a:spcBef>
                 <a:spcPts val="0"/>
               </a:spcBef>
@@ -8124,7 +8124,7 @@
           </a:bodyPr>
           <a:lstStyle/>
           <a:p>
-            <a:pPr indent="0" lvl="0" marL="0">
+            <a:pPr indent="0" lvl="0" marL="0" rtl="0" algn="l">
               <a:spcBef>
                 <a:spcPts val="0"/>
               </a:spcBef>
@@ -8164,7 +8164,7 @@
           </a:bodyPr>
           <a:lstStyle/>
           <a:p>
-            <a:pPr indent="0" lvl="0" marL="0">
+            <a:pPr indent="0" lvl="0" marL="0" rtl="0" algn="l">
               <a:spcBef>
                 <a:spcPts val="0"/>
               </a:spcBef>
@@ -8180,7 +8180,7 @@
             <a:endParaRPr b="1"/>
           </a:p>
           <a:p>
-            <a:pPr indent="0" lvl="0" marL="0">
+            <a:pPr indent="0" lvl="0" marL="0" rtl="0" algn="l">
               <a:spcBef>
                 <a:spcPts val="1600"/>
               </a:spcBef>
@@ -8196,7 +8196,7 @@
             <a:endParaRPr/>
           </a:p>
           <a:p>
-            <a:pPr indent="0" lvl="0" marL="0">
+            <a:pPr indent="0" lvl="0" marL="0" rtl="0" algn="l">
               <a:spcBef>
                 <a:spcPts val="1600"/>
               </a:spcBef>
@@ -8212,7 +8212,7 @@
             <a:endParaRPr/>
           </a:p>
           <a:p>
-            <a:pPr indent="0" lvl="0" marL="0">
+            <a:pPr indent="0" lvl="0" marL="0" rtl="0" algn="l">
               <a:spcBef>
                 <a:spcPts val="1600"/>
               </a:spcBef>
@@ -8228,7 +8228,7 @@
             <a:endParaRPr/>
           </a:p>
           <a:p>
-            <a:pPr indent="-317500" lvl="0" marL="457200" rtl="0">
+            <a:pPr indent="-317500" lvl="0" marL="457200" rtl="0" algn="l">
               <a:spcBef>
                 <a:spcPts val="1600"/>
               </a:spcBef>
@@ -8245,7 +8245,7 @@
             <a:endParaRPr/>
           </a:p>
           <a:p>
-            <a:pPr indent="-317500" lvl="0" marL="457200" rtl="0">
+            <a:pPr indent="-317500" lvl="0" marL="457200" rtl="0" algn="l">
               <a:spcBef>
                 <a:spcPts val="0"/>
               </a:spcBef>
@@ -8262,7 +8262,7 @@
             <a:endParaRPr/>
           </a:p>
           <a:p>
-            <a:pPr indent="-317500" lvl="0" marL="457200">
+            <a:pPr indent="-317500" lvl="0" marL="457200" rtl="0" algn="l">
               <a:spcBef>
                 <a:spcPts val="0"/>
               </a:spcBef>
@@ -8303,7 +8303,7 @@
           </a:bodyPr>
           <a:lstStyle/>
           <a:p>
-            <a:pPr indent="0" lvl="0" marL="0">
+            <a:pPr indent="0" lvl="0" marL="0" rtl="0" algn="l">
               <a:spcBef>
                 <a:spcPts val="0"/>
               </a:spcBef>
@@ -8319,7 +8319,7 @@
             <a:endParaRPr b="1"/>
           </a:p>
           <a:p>
-            <a:pPr indent="0" lvl="0" marL="0">
+            <a:pPr indent="0" lvl="0" marL="0" rtl="0" algn="l">
               <a:spcBef>
                 <a:spcPts val="1600"/>
               </a:spcBef>
@@ -8335,7 +8335,7 @@
             <a:endParaRPr/>
           </a:p>
           <a:p>
-            <a:pPr indent="0" lvl="0" marL="0">
+            <a:pPr indent="0" lvl="0" marL="0" rtl="0" algn="l">
               <a:spcBef>
                 <a:spcPts val="1600"/>
               </a:spcBef>
@@ -8351,7 +8351,7 @@
             <a:endParaRPr/>
           </a:p>
           <a:p>
-            <a:pPr indent="0" lvl="0" marL="0">
+            <a:pPr indent="0" lvl="0" marL="0" rtl="0" algn="l">
               <a:spcBef>
                 <a:spcPts val="1600"/>
               </a:spcBef>
@@ -8367,7 +8367,7 @@
             <a:endParaRPr/>
           </a:p>
           <a:p>
-            <a:pPr indent="-317500" lvl="0" marL="457200" rtl="0">
+            <a:pPr indent="-317500" lvl="0" marL="457200" rtl="0" algn="l">
               <a:spcBef>
                 <a:spcPts val="1600"/>
               </a:spcBef>
@@ -8384,7 +8384,7 @@
             <a:endParaRPr/>
           </a:p>
           <a:p>
-            <a:pPr indent="-304800" lvl="1" marL="914400" rtl="0">
+            <a:pPr indent="-304800" lvl="1" marL="914400" rtl="0" algn="l">
               <a:spcBef>
                 <a:spcPts val="0"/>
               </a:spcBef>
@@ -8401,7 +8401,7 @@
             <a:endParaRPr/>
           </a:p>
           <a:p>
-            <a:pPr indent="-304800" lvl="1" marL="914400" rtl="0">
+            <a:pPr indent="-304800" lvl="1" marL="914400" rtl="0" algn="l">
               <a:spcBef>
                 <a:spcPts val="0"/>
               </a:spcBef>
@@ -8467,7 +8467,7 @@
           </a:bodyPr>
           <a:lstStyle/>
           <a:p>
-            <a:pPr indent="0" lvl="0" marL="0">
+            <a:pPr indent="0" lvl="0" marL="0" rtl="0" algn="l">
               <a:spcBef>
                 <a:spcPts val="0"/>
               </a:spcBef>
@@ -8507,7 +8507,7 @@
           </a:bodyPr>
           <a:lstStyle/>
           <a:p>
-            <a:pPr indent="-342900" lvl="0" marL="457200" rtl="0">
+            <a:pPr indent="-342900" lvl="0" marL="457200" rtl="0" algn="l">
               <a:spcBef>
                 <a:spcPts val="0"/>
               </a:spcBef>
@@ -8529,7 +8529,7 @@
             <a:endParaRPr/>
           </a:p>
           <a:p>
-            <a:pPr indent="-342900" lvl="0" marL="457200" rtl="0">
+            <a:pPr indent="-342900" lvl="0" marL="457200" rtl="0" algn="l">
               <a:spcBef>
                 <a:spcPts val="0"/>
               </a:spcBef>
@@ -8551,7 +8551,7 @@
             <a:endParaRPr/>
           </a:p>
           <a:p>
-            <a:pPr indent="-342900" lvl="0" marL="457200" rtl="0">
+            <a:pPr indent="-342900" lvl="0" marL="457200" rtl="0" algn="l">
               <a:spcBef>
                 <a:spcPts val="0"/>
               </a:spcBef>
@@ -8568,7 +8568,7 @@
             <a:endParaRPr/>
           </a:p>
           <a:p>
-            <a:pPr indent="-317500" lvl="1" marL="914400" rtl="0">
+            <a:pPr indent="-317500" lvl="1" marL="914400" rtl="0" algn="l">
               <a:spcBef>
                 <a:spcPts val="0"/>
               </a:spcBef>
@@ -8585,7 +8585,7 @@
             <a:endParaRPr/>
           </a:p>
           <a:p>
-            <a:pPr indent="-317500" lvl="1" marL="914400" rtl="0">
+            <a:pPr indent="-317500" lvl="1" marL="914400" rtl="0" algn="l">
               <a:spcBef>
                 <a:spcPts val="0"/>
               </a:spcBef>
@@ -8602,7 +8602,7 @@
             <a:endParaRPr/>
           </a:p>
           <a:p>
-            <a:pPr indent="-317500" lvl="1" marL="914400" rtl="0">
+            <a:pPr indent="-317500" lvl="1" marL="914400" rtl="0" algn="l">
               <a:spcBef>
                 <a:spcPts val="0"/>
               </a:spcBef>
@@ -8619,7 +8619,7 @@
             <a:endParaRPr/>
           </a:p>
           <a:p>
-            <a:pPr indent="-317500" lvl="1" marL="914400">
+            <a:pPr indent="-317500" lvl="1" marL="914400" rtl="0" algn="l">
               <a:spcBef>
                 <a:spcPts val="0"/>
               </a:spcBef>
@@ -8685,7 +8685,7 @@
           </a:bodyPr>
           <a:lstStyle/>
           <a:p>
-            <a:pPr indent="0" lvl="0" marL="0">
+            <a:pPr indent="0" lvl="0" marL="0" rtl="0" algn="l">
               <a:spcBef>
                 <a:spcPts val="0"/>
               </a:spcBef>
@@ -8755,7 +8755,7 @@
           </a:bodyPr>
           <a:lstStyle/>
           <a:p>
-            <a:pPr indent="0" lvl="0" marL="0">
+            <a:pPr indent="0" lvl="0" marL="0" rtl="0" algn="l">
               <a:spcBef>
                 <a:spcPts val="0"/>
               </a:spcBef>
